--- a/UITableView/UITableView.pptx
+++ b/UITableView/UITableView.pptx
@@ -5942,7 +5942,7 @@
                 <a:latin typeface="Arial" panose="020B0604020202020204" pitchFamily="34" charset="0"/>
                 <a:cs typeface="Arial" panose="020B0604020202020204" pitchFamily="34" charset="0"/>
               </a:rPr>
-              <a:t> sections, cell</a:t>
+              <a:t> sections, cells</a:t>
             </a:r>
           </a:p>
           <a:p>
@@ -6902,10 +6902,13 @@
               </a:rPr>
               <a:t>bạn</a:t>
             </a:r>
-            <a:endParaRPr lang="en-US" dirty="0">
-              <a:latin typeface="Arial" panose="020B0604020202020204" pitchFamily="34" charset="0"/>
-              <a:cs typeface="Arial" panose="020B0604020202020204" pitchFamily="34" charset="0"/>
-            </a:endParaRPr>
+            <a:r>
+              <a:rPr lang="en-US" dirty="0">
+                <a:latin typeface="Arial" panose="020B0604020202020204" pitchFamily="34" charset="0"/>
+                <a:cs typeface="Arial" panose="020B0604020202020204" pitchFamily="34" charset="0"/>
+              </a:rPr>
+              <a:t>.</a:t>
+            </a:r>
           </a:p>
           <a:p>
             <a:pPr lvl="1">
@@ -6970,16 +6973,12 @@
               <a:t>dữ</a:t>
             </a:r>
             <a:r>
-              <a:rPr lang="en-US">
+              <a:rPr lang="en-US" dirty="0">
                 <a:latin typeface="Arial" panose="020B0604020202020204" pitchFamily="34" charset="0"/>
                 <a:cs typeface="Arial" panose="020B0604020202020204" pitchFamily="34" charset="0"/>
               </a:rPr>
               <a:t> lieu.</a:t>
             </a:r>
-            <a:endParaRPr lang="en-US" dirty="0">
-              <a:latin typeface="Arial" panose="020B0604020202020204" pitchFamily="34" charset="0"/>
-              <a:cs typeface="Arial" panose="020B0604020202020204" pitchFamily="34" charset="0"/>
-            </a:endParaRPr>
           </a:p>
         </p:txBody>
       </p:sp>
